--- a/Organisatorisches_Vorlagen/Vorkurse vorstellen.pptx
+++ b/Organisatorisches_Vorlagen/Vorkurse vorstellen.pptx
@@ -5,16 +5,17 @@
     <p:sldMasterId id="2147483659" r:id="rId1"/>
   </p:sldMasterIdLst>
   <p:notesMasterIdLst>
-    <p:notesMasterId r:id="rId9"/>
+    <p:notesMasterId r:id="rId10"/>
   </p:notesMasterIdLst>
   <p:sldIdLst>
-    <p:sldId id="256" r:id="rId2"/>
+    <p:sldId id="302" r:id="rId2"/>
     <p:sldId id="257" r:id="rId3"/>
     <p:sldId id="258" r:id="rId4"/>
     <p:sldId id="259" r:id="rId5"/>
     <p:sldId id="260" r:id="rId6"/>
     <p:sldId id="261" r:id="rId7"/>
-    <p:sldId id="262" r:id="rId8"/>
+    <p:sldId id="303" r:id="rId8"/>
+    <p:sldId id="262" r:id="rId9"/>
   </p:sldIdLst>
   <p:sldSz cx="9144000" cy="5143500" type="screen16x9"/>
   <p:notesSz cx="6858000" cy="9144000"/>
@@ -710,110 +711,6 @@
   <p:cSld>
     <p:spTree>
       <p:nvGrpSpPr>
-        <p:cNvPr id="1" name="Shape 50"/>
-        <p:cNvGrpSpPr/>
-        <p:nvPr/>
-      </p:nvGrpSpPr>
-      <p:grpSpPr>
-        <a:xfrm>
-          <a:off x="0" y="0"/>
-          <a:ext cx="0" cy="0"/>
-          <a:chOff x="0" y="0"/>
-          <a:chExt cx="0" cy="0"/>
-        </a:xfrm>
-      </p:grpSpPr>
-      <p:sp>
-        <p:nvSpPr>
-          <p:cNvPr id="51" name="Google Shape;51;p:notes"/>
-          <p:cNvSpPr>
-            <a:spLocks noGrp="1" noRot="1" noChangeAspect="1"/>
-          </p:cNvSpPr>
-          <p:nvPr>
-            <p:ph type="sldImg" idx="2"/>
-          </p:nvPr>
-        </p:nvSpPr>
-        <p:spPr>
-          <a:xfrm>
-            <a:off x="381300" y="685800"/>
-            <a:ext cx="6096075" cy="3429000"/>
-          </a:xfrm>
-          <a:custGeom>
-            <a:avLst/>
-            <a:gdLst/>
-            <a:ahLst/>
-            <a:cxnLst/>
-            <a:rect l="l" t="t" r="r" b="b"/>
-            <a:pathLst>
-              <a:path w="120000" h="120000" extrusionOk="0">
-                <a:moveTo>
-                  <a:pt x="0" y="0"/>
-                </a:moveTo>
-                <a:lnTo>
-                  <a:pt x="120000" y="0"/>
-                </a:lnTo>
-                <a:lnTo>
-                  <a:pt x="120000" y="120000"/>
-                </a:lnTo>
-                <a:lnTo>
-                  <a:pt x="0" y="120000"/>
-                </a:lnTo>
-                <a:close/>
-              </a:path>
-            </a:pathLst>
-          </a:custGeom>
-        </p:spPr>
-      </p:sp>
-      <p:sp>
-        <p:nvSpPr>
-          <p:cNvPr id="52" name="Google Shape;52;p:notes"/>
-          <p:cNvSpPr txBox="1">
-            <a:spLocks noGrp="1"/>
-          </p:cNvSpPr>
-          <p:nvPr>
-            <p:ph type="body" idx="1"/>
-          </p:nvPr>
-        </p:nvSpPr>
-        <p:spPr>
-          <a:xfrm>
-            <a:off x="685800" y="4343400"/>
-            <a:ext cx="5486400" cy="4114800"/>
-          </a:xfrm>
-          <a:prstGeom prst="rect">
-            <a:avLst/>
-          </a:prstGeom>
-        </p:spPr>
-        <p:txBody>
-          <a:bodyPr spcFirstLastPara="1" wrap="square" lIns="91425" tIns="91425" rIns="91425" bIns="91425" anchor="t" anchorCtr="0">
-            <a:noAutofit/>
-          </a:bodyPr>
-          <a:lstStyle/>
-          <a:p>
-            <a:pPr marL="0" lvl="0" indent="0" algn="l" rtl="0">
-              <a:spcBef>
-                <a:spcPts val="0"/>
-              </a:spcBef>
-              <a:spcAft>
-                <a:spcPts val="0"/>
-              </a:spcAft>
-              <a:buNone/>
-            </a:pPr>
-            <a:endParaRPr/>
-          </a:p>
-        </p:txBody>
-      </p:sp>
-    </p:spTree>
-  </p:cSld>
-  <p:clrMapOvr>
-    <a:masterClrMapping/>
-  </p:clrMapOvr>
-</p:notes>
-</file>
-
-<file path=ppt/notesSlides/notesSlide2.xml><?xml version="1.0" encoding="utf-8"?>
-<p:notes xmlns:a="http://schemas.openxmlformats.org/drawingml/2006/main" xmlns:r="http://schemas.openxmlformats.org/officeDocument/2006/relationships" xmlns:p="http://schemas.openxmlformats.org/presentationml/2006/main" showMasterSp="0" showMasterPhAnim="0">
-  <p:cSld>
-    <p:spTree>
-      <p:nvGrpSpPr>
         <p:cNvPr id="1" name="Shape 56"/>
         <p:cNvGrpSpPr/>
         <p:nvPr/>
@@ -913,7 +810,7 @@
 </p:notes>
 </file>
 
-<file path=ppt/notesSlides/notesSlide3.xml><?xml version="1.0" encoding="utf-8"?>
+<file path=ppt/notesSlides/notesSlide2.xml><?xml version="1.0" encoding="utf-8"?>
 <p:notes xmlns:a="http://schemas.openxmlformats.org/drawingml/2006/main" xmlns:r="http://schemas.openxmlformats.org/officeDocument/2006/relationships" xmlns:p="http://schemas.openxmlformats.org/presentationml/2006/main" showMasterSp="0" showMasterPhAnim="0">
   <p:cSld>
     <p:spTree>
@@ -942,7 +839,7 @@
         </p:nvSpPr>
         <p:spPr>
           <a:xfrm>
-            <a:off x="381300" y="685800"/>
+            <a:off x="381000" y="685800"/>
             <a:ext cx="6096000" cy="3429000"/>
           </a:xfrm>
           <a:custGeom>
@@ -1017,7 +914,7 @@
 </p:notes>
 </file>
 
-<file path=ppt/notesSlides/notesSlide4.xml><?xml version="1.0" encoding="utf-8"?>
+<file path=ppt/notesSlides/notesSlide3.xml><?xml version="1.0" encoding="utf-8"?>
 <p:notes xmlns:a="http://schemas.openxmlformats.org/drawingml/2006/main" xmlns:r="http://schemas.openxmlformats.org/officeDocument/2006/relationships" xmlns:p="http://schemas.openxmlformats.org/presentationml/2006/main" showMasterSp="0" showMasterPhAnim="0">
   <p:cSld>
     <p:spTree>
@@ -1121,7 +1018,7 @@
 </p:notes>
 </file>
 
-<file path=ppt/notesSlides/notesSlide5.xml><?xml version="1.0" encoding="utf-8"?>
+<file path=ppt/notesSlides/notesSlide4.xml><?xml version="1.0" encoding="utf-8"?>
 <p:notes xmlns:a="http://schemas.openxmlformats.org/drawingml/2006/main" xmlns:r="http://schemas.openxmlformats.org/officeDocument/2006/relationships" xmlns:p="http://schemas.openxmlformats.org/presentationml/2006/main" showMasterSp="0" showMasterPhAnim="0">
   <p:cSld>
     <p:spTree>
@@ -1225,7 +1122,7 @@
 </p:notes>
 </file>
 
-<file path=ppt/notesSlides/notesSlide6.xml><?xml version="1.0" encoding="utf-8"?>
+<file path=ppt/notesSlides/notesSlide5.xml><?xml version="1.0" encoding="utf-8"?>
 <p:notes xmlns:a="http://schemas.openxmlformats.org/drawingml/2006/main" xmlns:r="http://schemas.openxmlformats.org/officeDocument/2006/relationships" xmlns:p="http://schemas.openxmlformats.org/presentationml/2006/main" showMasterSp="0" showMasterPhAnim="0">
   <p:cSld>
     <p:spTree>
@@ -1329,7 +1226,7 @@
 </p:notes>
 </file>
 
-<file path=ppt/notesSlides/notesSlide7.xml><?xml version="1.0" encoding="utf-8"?>
+<file path=ppt/notesSlides/notesSlide6.xml><?xml version="1.0" encoding="utf-8"?>
 <p:notes xmlns:a="http://schemas.openxmlformats.org/drawingml/2006/main" xmlns:r="http://schemas.openxmlformats.org/officeDocument/2006/relationships" xmlns:p="http://schemas.openxmlformats.org/presentationml/2006/main" showMasterSp="0" showMasterPhAnim="0">
   <p:cSld>
     <p:spTree>
@@ -1804,7 +1701,7 @@
             </a:pPr>
             <a:fld id="{00000000-1234-1234-1234-123412341234}" type="slidenum">
               <a:rPr lang="de"/>
-              <a:t>‹Nr.›</a:t>
+              <a:t>‹#›</a:t>
             </a:fld>
             <a:endParaRPr/>
           </a:p>
@@ -2164,7 +2061,7 @@
             </a:pPr>
             <a:fld id="{00000000-1234-1234-1234-123412341234}" type="slidenum">
               <a:rPr lang="de"/>
-              <a:t>‹Nr.›</a:t>
+              <a:t>‹#›</a:t>
             </a:fld>
             <a:endParaRPr/>
           </a:p>
@@ -2268,13 +2165,318 @@
             </a:pPr>
             <a:fld id="{00000000-1234-1234-1234-123412341234}" type="slidenum">
               <a:rPr lang="de"/>
-              <a:t>‹Nr.›</a:t>
+              <a:t>‹#›</a:t>
             </a:fld>
             <a:endParaRPr/>
           </a:p>
         </p:txBody>
       </p:sp>
     </p:spTree>
+  </p:cSld>
+  <p:clrMapOvr>
+    <a:masterClrMapping/>
+  </p:clrMapOvr>
+</p:sldLayout>
+</file>
+
+<file path=ppt/slideLayouts/slideLayout12.xml><?xml version="1.0" encoding="utf-8"?>
+<p:sldLayout xmlns:a="http://schemas.openxmlformats.org/drawingml/2006/main" xmlns:r="http://schemas.openxmlformats.org/officeDocument/2006/relationships" xmlns:p="http://schemas.openxmlformats.org/presentationml/2006/main" userDrawn="1">
+  <p:cSld name="Titelfolie Institute">
+    <p:spTree>
+      <p:nvGrpSpPr>
+        <p:cNvPr id="1" name=""/>
+        <p:cNvGrpSpPr/>
+        <p:nvPr/>
+      </p:nvGrpSpPr>
+      <p:grpSpPr>
+        <a:xfrm>
+          <a:off x="0" y="0"/>
+          <a:ext cx="0" cy="0"/>
+          <a:chOff x="0" y="0"/>
+          <a:chExt cx="0" cy="0"/>
+        </a:xfrm>
+      </p:grpSpPr>
+      <p:sp>
+        <p:nvSpPr>
+          <p:cNvPr id="8" name="Bildplatzhalter 8"/>
+          <p:cNvSpPr>
+            <a:spLocks noGrp="1"/>
+          </p:cNvSpPr>
+          <p:nvPr>
+            <p:ph type="pic" sz="quarter" idx="10"/>
+          </p:nvPr>
+        </p:nvSpPr>
+        <p:spPr>
+          <a:xfrm>
+            <a:off x="0" y="1266840"/>
+            <a:ext cx="9144000" cy="3878280"/>
+          </a:xfrm>
+          <a:solidFill>
+            <a:schemeClr val="bg1">
+              <a:lumMod val="85000"/>
+            </a:schemeClr>
+          </a:solidFill>
+        </p:spPr>
+        <p:txBody>
+          <a:bodyPr lIns="72000"/>
+          <a:lstStyle>
+            <a:lvl1pPr marL="0" indent="0">
+              <a:buNone/>
+              <a:defRPr/>
+            </a:lvl1pPr>
+          </a:lstStyle>
+          <a:p>
+            <a:r>
+              <a:rPr lang="de-DE"/>
+              <a:t>Bild durch Klicken auf Symbol hinzufügen</a:t>
+            </a:r>
+            <a:endParaRPr lang="en-US" dirty="0"/>
+          </a:p>
+        </p:txBody>
+      </p:sp>
+      <p:sp>
+        <p:nvSpPr>
+          <p:cNvPr id="12" name="Title 1"/>
+          <p:cNvSpPr>
+            <a:spLocks noGrp="1" noChangeAspect="1"/>
+          </p:cNvSpPr>
+          <p:nvPr>
+            <p:ph type="ctrTitle" hasCustomPrompt="1"/>
+          </p:nvPr>
+        </p:nvSpPr>
+        <p:spPr>
+          <a:xfrm>
+            <a:off x="4578969" y="903960"/>
+            <a:ext cx="4320000" cy="3888000"/>
+          </a:xfrm>
+          <a:prstGeom prst="ellipse">
+            <a:avLst/>
+          </a:prstGeom>
+          <a:solidFill>
+            <a:schemeClr val="accent1"/>
+          </a:solidFill>
+        </p:spPr>
+        <p:txBody>
+          <a:bodyPr wrap="square" lIns="0" tIns="0" rIns="0" bIns="1260000" anchor="b" anchorCtr="0">
+            <a:noAutofit/>
+          </a:bodyPr>
+          <a:lstStyle>
+            <a:lvl1pPr marL="0" indent="0" algn="l">
+              <a:lnSpc>
+                <a:spcPct val="90000"/>
+              </a:lnSpc>
+              <a:defRPr sz="2520" b="1" baseline="0">
+                <a:solidFill>
+                  <a:schemeClr val="bg1"/>
+                </a:solidFill>
+              </a:defRPr>
+            </a:lvl1pPr>
+          </a:lstStyle>
+          <a:p>
+            <a:r>
+              <a:rPr lang="de-DE" dirty="0"/>
+              <a:t>Titel durch Klicken </a:t>
+            </a:r>
+            <a:br>
+              <a:rPr lang="de-DE" dirty="0"/>
+            </a:br>
+            <a:r>
+              <a:rPr lang="de-DE" dirty="0"/>
+              <a:t>hinzufügen</a:t>
+            </a:r>
+          </a:p>
+        </p:txBody>
+      </p:sp>
+      <p:sp>
+        <p:nvSpPr>
+          <p:cNvPr id="5" name="Bildplatzhalter 4"/>
+          <p:cNvSpPr>
+            <a:spLocks noGrp="1" noChangeAspect="1"/>
+          </p:cNvSpPr>
+          <p:nvPr>
+            <p:ph type="pic" sz="quarter" idx="14" hasCustomPrompt="1"/>
+          </p:nvPr>
+        </p:nvSpPr>
+        <p:spPr>
+          <a:xfrm>
+            <a:off x="7396488" y="3667680"/>
+            <a:ext cx="1274400" cy="1146960"/>
+          </a:xfrm>
+          <a:prstGeom prst="ellipse">
+            <a:avLst/>
+          </a:prstGeom>
+          <a:solidFill>
+            <a:schemeClr val="bg1"/>
+          </a:solidFill>
+        </p:spPr>
+        <p:txBody>
+          <a:bodyPr/>
+          <a:lstStyle>
+            <a:lvl1pPr marL="0" indent="0">
+              <a:buFontTx/>
+              <a:buNone/>
+              <a:defRPr sz="810" baseline="0"/>
+            </a:lvl1pPr>
+          </a:lstStyle>
+          <a:p>
+            <a:r>
+              <a:rPr lang="de-DE" dirty="0" err="1"/>
+              <a:t>Sublogo</a:t>
+            </a:r>
+            <a:r>
+              <a:rPr lang="de-DE" dirty="0"/>
+              <a:t> einfügen</a:t>
+            </a:r>
+          </a:p>
+        </p:txBody>
+      </p:sp>
+      <p:pic>
+        <p:nvPicPr>
+          <p:cNvPr id="11" name="Grafik 10"/>
+          <p:cNvPicPr>
+            <a:picLocks noChangeAspect="1"/>
+          </p:cNvPicPr>
+          <p:nvPr userDrawn="1"/>
+        </p:nvPicPr>
+        <p:blipFill>
+          <a:blip r:embed="rId2">
+            <a:extLst>
+              <a:ext uri="{28A0092B-C50C-407E-A947-70E740481C1C}">
+                <a14:useLocalDpi xmlns:a14="http://schemas.microsoft.com/office/drawing/2010/main" val="0"/>
+              </a:ext>
+            </a:extLst>
+          </a:blip>
+          <a:stretch>
+            <a:fillRect/>
+          </a:stretch>
+        </p:blipFill>
+        <p:spPr>
+          <a:xfrm>
+            <a:off x="406801" y="310075"/>
+            <a:ext cx="2056867" cy="388798"/>
+          </a:xfrm>
+          <a:prstGeom prst="rect">
+            <a:avLst/>
+          </a:prstGeom>
+        </p:spPr>
+      </p:pic>
+      <p:sp>
+        <p:nvSpPr>
+          <p:cNvPr id="10" name="Textplatzhalter 9"/>
+          <p:cNvSpPr>
+            <a:spLocks noGrp="1"/>
+          </p:cNvSpPr>
+          <p:nvPr>
+            <p:ph type="body" sz="quarter" idx="13" hasCustomPrompt="1"/>
+          </p:nvPr>
+        </p:nvSpPr>
+        <p:spPr>
+          <a:xfrm>
+            <a:off x="952452" y="583200"/>
+            <a:ext cx="3561913" cy="435081"/>
+          </a:xfrm>
+        </p:spPr>
+        <p:txBody>
+          <a:bodyPr/>
+          <a:lstStyle>
+            <a:lvl1pPr marL="0" indent="0">
+              <a:lnSpc>
+                <a:spcPct val="100000"/>
+              </a:lnSpc>
+              <a:buFontTx/>
+              <a:buNone/>
+              <a:defRPr sz="1080"/>
+            </a:lvl1pPr>
+          </a:lstStyle>
+          <a:p>
+            <a:pPr lvl="0"/>
+            <a:r>
+              <a:rPr lang="de-DE" dirty="0"/>
+              <a:t>Institutsname max. 2-zeilig, bitte hier klicken und überschreiben</a:t>
+            </a:r>
+          </a:p>
+        </p:txBody>
+      </p:sp>
+      <p:sp>
+        <p:nvSpPr>
+          <p:cNvPr id="13" name="Subtitle 2"/>
+          <p:cNvSpPr>
+            <a:spLocks noGrp="1"/>
+          </p:cNvSpPr>
+          <p:nvPr>
+            <p:ph type="subTitle" idx="1"/>
+          </p:nvPr>
+        </p:nvSpPr>
+        <p:spPr>
+          <a:xfrm>
+            <a:off x="5210138" y="3259440"/>
+            <a:ext cx="3240688" cy="385560"/>
+          </a:xfrm>
+        </p:spPr>
+        <p:txBody>
+          <a:bodyPr lIns="0" tIns="0" rIns="0" bIns="0">
+            <a:normAutofit/>
+          </a:bodyPr>
+          <a:lstStyle>
+            <a:lvl1pPr marL="0" indent="0" algn="l">
+              <a:lnSpc>
+                <a:spcPct val="100000"/>
+              </a:lnSpc>
+              <a:buNone/>
+              <a:defRPr sz="1080">
+                <a:solidFill>
+                  <a:schemeClr val="bg1"/>
+                </a:solidFill>
+              </a:defRPr>
+            </a:lvl1pPr>
+            <a:lvl2pPr marL="308610" indent="0" algn="ctr">
+              <a:buNone/>
+              <a:defRPr sz="1350"/>
+            </a:lvl2pPr>
+            <a:lvl3pPr marL="617220" indent="0" algn="ctr">
+              <a:buNone/>
+              <a:defRPr sz="1215"/>
+            </a:lvl3pPr>
+            <a:lvl4pPr marL="925830" indent="0" algn="ctr">
+              <a:buNone/>
+              <a:defRPr sz="1080"/>
+            </a:lvl4pPr>
+            <a:lvl5pPr marL="1234440" indent="0" algn="ctr">
+              <a:buNone/>
+              <a:defRPr sz="1080"/>
+            </a:lvl5pPr>
+            <a:lvl6pPr marL="1543050" indent="0" algn="ctr">
+              <a:buNone/>
+              <a:defRPr sz="1080"/>
+            </a:lvl6pPr>
+            <a:lvl7pPr marL="1851660" indent="0" algn="ctr">
+              <a:buNone/>
+              <a:defRPr sz="1080"/>
+            </a:lvl7pPr>
+            <a:lvl8pPr marL="2160270" indent="0" algn="ctr">
+              <a:buNone/>
+              <a:defRPr sz="1080"/>
+            </a:lvl8pPr>
+            <a:lvl9pPr marL="2468880" indent="0" algn="ctr">
+              <a:buNone/>
+              <a:defRPr sz="1080"/>
+            </a:lvl9pPr>
+          </a:lstStyle>
+          <a:p>
+            <a:r>
+              <a:rPr lang="de-DE"/>
+              <a:t>Master-Untertitelformat bearbeiten</a:t>
+            </a:r>
+            <a:endParaRPr lang="de-DE" dirty="0"/>
+          </a:p>
+        </p:txBody>
+      </p:sp>
+    </p:spTree>
+    <p:extLst>
+      <p:ext uri="{BB962C8B-B14F-4D97-AF65-F5344CB8AC3E}">
+        <p14:creationId xmlns:p14="http://schemas.microsoft.com/office/powerpoint/2010/main" val="4165224404"/>
+      </p:ext>
+    </p:extLst>
   </p:cSld>
   <p:clrMapOvr>
     <a:masterClrMapping/>
@@ -2499,7 +2701,7 @@
             </a:pPr>
             <a:fld id="{00000000-1234-1234-1234-123412341234}" type="slidenum">
               <a:rPr lang="de"/>
-              <a:t>‹Nr.›</a:t>
+              <a:t>‹#›</a:t>
             </a:fld>
             <a:endParaRPr/>
           </a:p>
@@ -2857,7 +3059,7 @@
             </a:pPr>
             <a:fld id="{00000000-1234-1234-1234-123412341234}" type="slidenum">
               <a:rPr lang="de"/>
-              <a:t>‹Nr.›</a:t>
+              <a:t>‹#›</a:t>
             </a:fld>
             <a:endParaRPr/>
           </a:p>
@@ -3342,7 +3544,7 @@
             </a:pPr>
             <a:fld id="{00000000-1234-1234-1234-123412341234}" type="slidenum">
               <a:rPr lang="de"/>
-              <a:t>‹Nr.›</a:t>
+              <a:t>‹#›</a:t>
             </a:fld>
             <a:endParaRPr/>
           </a:p>
@@ -3573,7 +3775,7 @@
             </a:pPr>
             <a:fld id="{00000000-1234-1234-1234-123412341234}" type="slidenum">
               <a:rPr lang="de"/>
-              <a:t>‹Nr.›</a:t>
+              <a:t>‹#›</a:t>
             </a:fld>
             <a:endParaRPr/>
           </a:p>
@@ -3931,7 +4133,7 @@
             </a:pPr>
             <a:fld id="{00000000-1234-1234-1234-123412341234}" type="slidenum">
               <a:rPr lang="de"/>
-              <a:t>‹Nr.›</a:t>
+              <a:t>‹#›</a:t>
             </a:fld>
             <a:endParaRPr/>
           </a:p>
@@ -4162,7 +4364,7 @@
             </a:pPr>
             <a:fld id="{00000000-1234-1234-1234-123412341234}" type="slidenum">
               <a:rPr lang="de"/>
-              <a:t>‹Nr.›</a:t>
+              <a:t>‹#›</a:t>
             </a:fld>
             <a:endParaRPr/>
           </a:p>
@@ -4714,7 +4916,7 @@
             </a:pPr>
             <a:fld id="{00000000-1234-1234-1234-123412341234}" type="slidenum">
               <a:rPr lang="de"/>
-              <a:t>‹Nr.›</a:t>
+              <a:t>‹#›</a:t>
             </a:fld>
             <a:endParaRPr/>
           </a:p>
@@ -4860,7 +5062,7 @@
             </a:pPr>
             <a:fld id="{00000000-1234-1234-1234-123412341234}" type="slidenum">
               <a:rPr lang="de"/>
-              <a:t>‹Nr.›</a:t>
+              <a:t>‹#›</a:t>
             </a:fld>
             <a:endParaRPr/>
           </a:p>
@@ -5427,7 +5629,7 @@
             </a:pPr>
             <a:fld id="{00000000-1234-1234-1234-123412341234}" type="slidenum">
               <a:rPr lang="de"/>
-              <a:t>‹Nr.›</a:t>
+              <a:t>‹#›</a:t>
             </a:fld>
             <a:endParaRPr/>
           </a:p>
@@ -5448,6 +5650,7 @@
     <p:sldLayoutId id="2147483656" r:id="rId9"/>
     <p:sldLayoutId id="2147483657" r:id="rId10"/>
     <p:sldLayoutId id="2147483658" r:id="rId11"/>
+    <p:sldLayoutId id="2147483660" r:id="rId12"/>
   </p:sldLayoutIdLst>
   <p:hf sldNum="0" hdr="0" ftr="0" dt="0"/>
   <p:txStyles>
@@ -6147,7 +6350,7 @@
   <p:cSld>
     <p:spTree>
       <p:nvGrpSpPr>
-        <p:cNvPr id="1" name="Shape 53"/>
+        <p:cNvPr id="1" name=""/>
         <p:cNvGrpSpPr/>
         <p:nvPr/>
       </p:nvGrpSpPr>
@@ -6159,10 +6362,35 @@
           <a:chExt cx="0" cy="0"/>
         </a:xfrm>
       </p:grpSpPr>
+      <p:pic>
+        <p:nvPicPr>
+          <p:cNvPr id="10" name="Bildplatzhalter 9">
+            <a:extLst>
+              <a:ext uri="{FF2B5EF4-FFF2-40B4-BE49-F238E27FC236}">
+                <a16:creationId xmlns:a16="http://schemas.microsoft.com/office/drawing/2014/main" id="{DEA8C149-0CA4-4148-B7BD-B099ED36D649}"/>
+              </a:ext>
+            </a:extLst>
+          </p:cNvPr>
+          <p:cNvPicPr>
+            <a:picLocks noGrp="1" noChangeAspect="1"/>
+          </p:cNvPicPr>
+          <p:nvPr>
+            <p:ph type="pic" sz="quarter" idx="10"/>
+          </p:nvPr>
+        </p:nvPicPr>
+        <p:blipFill>
+          <a:blip r:embed="rId2"/>
+          <a:srcRect l="37" r="37"/>
+          <a:stretch>
+            <a:fillRect/>
+          </a:stretch>
+        </p:blipFill>
+        <p:spPr/>
+      </p:pic>
       <p:sp>
         <p:nvSpPr>
-          <p:cNvPr id="54" name="Google Shape;54;p13"/>
-          <p:cNvSpPr txBox="1">
+          <p:cNvPr id="3" name="Titel 2"/>
+          <p:cNvSpPr>
             <a:spLocks noGrp="1"/>
           </p:cNvSpPr>
           <p:nvPr>
@@ -6171,65 +6399,101 @@
         </p:nvSpPr>
         <p:spPr>
           <a:xfrm>
-            <a:off x="311700" y="220425"/>
-            <a:ext cx="8520600" cy="865800"/>
+            <a:off x="4877139" y="903960"/>
+            <a:ext cx="3960000" cy="3960000"/>
           </a:xfrm>
-          <a:prstGeom prst="rect">
-            <a:avLst/>
-          </a:prstGeom>
+          <a:solidFill>
+            <a:srgbClr val="00BEFA"/>
+          </a:solidFill>
+          <a:ln>
+            <a:noFill/>
+          </a:ln>
         </p:spPr>
         <p:txBody>
-          <a:bodyPr spcFirstLastPara="1" wrap="square" lIns="91425" tIns="91425" rIns="91425" bIns="91425" anchor="b" anchorCtr="0">
-            <a:noAutofit/>
-          </a:bodyPr>
+          <a:bodyPr/>
           <a:lstStyle/>
           <a:p>
-            <a:pPr marL="0" lvl="0" indent="0" algn="ctr" rtl="0">
-              <a:spcBef>
-                <a:spcPts val="0"/>
-              </a:spcBef>
-              <a:spcAft>
-                <a:spcPts val="0"/>
-              </a:spcAft>
-              <a:buNone/>
-            </a:pPr>
             <a:r>
-              <a:rPr lang="de"/>
+              <a:rPr lang="de-DE" dirty="0"/>
               <a:t>Fachgruppe Informatik</a:t>
             </a:r>
-            <a:endParaRPr/>
           </a:p>
         </p:txBody>
       </p:sp>
       <p:pic>
         <p:nvPicPr>
-          <p:cNvPr id="55" name="Google Shape;55;p13"/>
-          <p:cNvPicPr preferRelativeResize="0"/>
-          <p:nvPr/>
+          <p:cNvPr id="12" name="Bildplatzhalter 11">
+            <a:extLst>
+              <a:ext uri="{FF2B5EF4-FFF2-40B4-BE49-F238E27FC236}">
+                <a16:creationId xmlns:a16="http://schemas.microsoft.com/office/drawing/2014/main" id="{10512E2F-B76B-4FC2-A0EC-BCE6BF15C23E}"/>
+              </a:ext>
+            </a:extLst>
+          </p:cNvPr>
+          <p:cNvPicPr>
+            <a:picLocks noGrp="1" noChangeAspect="1"/>
+          </p:cNvPicPr>
+          <p:nvPr>
+            <p:ph type="pic" sz="quarter" idx="14"/>
+          </p:nvPr>
         </p:nvPicPr>
         <p:blipFill>
-          <a:blip r:embed="rId3">
-            <a:alphaModFix/>
-          </a:blip>
+          <a:blip r:embed="rId3"/>
+          <a:srcRect/>
           <a:stretch>
             <a:fillRect/>
           </a:stretch>
         </p:blipFill>
         <p:spPr>
           <a:xfrm>
-            <a:off x="2539250" y="1078000"/>
-            <a:ext cx="4065500" cy="4065500"/>
+            <a:off x="7376610" y="3667680"/>
+            <a:ext cx="1188000" cy="1188000"/>
           </a:xfrm>
-          <a:prstGeom prst="rect">
-            <a:avLst/>
-          </a:prstGeom>
-          <a:noFill/>
-          <a:ln>
-            <a:noFill/>
-          </a:ln>
         </p:spPr>
       </p:pic>
+      <p:sp>
+        <p:nvSpPr>
+          <p:cNvPr id="5" name="Textplatzhalter 4"/>
+          <p:cNvSpPr>
+            <a:spLocks noGrp="1"/>
+          </p:cNvSpPr>
+          <p:nvPr>
+            <p:ph type="body" sz="quarter" idx="13"/>
+          </p:nvPr>
+        </p:nvSpPr>
+        <p:spPr/>
+        <p:txBody>
+          <a:bodyPr/>
+          <a:lstStyle/>
+          <a:p>
+            <a:endParaRPr lang="de-DE" dirty="0"/>
+          </a:p>
+        </p:txBody>
+      </p:sp>
+      <p:sp>
+        <p:nvSpPr>
+          <p:cNvPr id="6" name="Untertitel 5"/>
+          <p:cNvSpPr>
+            <a:spLocks noGrp="1"/>
+          </p:cNvSpPr>
+          <p:nvPr>
+            <p:ph type="subTitle" idx="1"/>
+          </p:nvPr>
+        </p:nvSpPr>
+        <p:spPr/>
+        <p:txBody>
+          <a:bodyPr/>
+          <a:lstStyle/>
+          <a:p>
+            <a:endParaRPr lang="de-DE"/>
+          </a:p>
+        </p:txBody>
+      </p:sp>
     </p:spTree>
+    <p:extLst>
+      <p:ext uri="{BB962C8B-B14F-4D97-AF65-F5344CB8AC3E}">
+        <p14:creationId xmlns:p14="http://schemas.microsoft.com/office/powerpoint/2010/main" val="2195157996"/>
+      </p:ext>
+    </p:extLst>
   </p:cSld>
   <p:clrMapOvr>
     <a:masterClrMapping/>
@@ -6332,46 +6596,46 @@
               <a:buChar char="-"/>
             </a:pPr>
             <a:r>
-              <a:rPr lang="de" b="1"/>
+              <a:rPr lang="de" b="1" dirty="0"/>
               <a:t>FIUS </a:t>
             </a:r>
             <a:r>
-              <a:rPr lang="de"/>
+              <a:rPr lang="de" dirty="0"/>
               <a:t>= </a:t>
             </a:r>
             <a:r>
-              <a:rPr lang="de" b="1"/>
+              <a:rPr lang="de" b="1" dirty="0"/>
               <a:t>F</a:t>
             </a:r>
             <a:r>
-              <a:rPr lang="de"/>
+              <a:rPr lang="de" dirty="0"/>
               <a:t>achgruppe </a:t>
             </a:r>
             <a:r>
-              <a:rPr lang="de" b="1"/>
+              <a:rPr lang="de" b="1" dirty="0"/>
               <a:t>I</a:t>
             </a:r>
             <a:r>
-              <a:rPr lang="de"/>
+              <a:rPr lang="de" dirty="0"/>
               <a:t>nformatik der </a:t>
             </a:r>
             <a:r>
-              <a:rPr lang="de" b="1"/>
+              <a:rPr lang="de" b="1" dirty="0"/>
               <a:t>U</a:t>
             </a:r>
             <a:r>
-              <a:rPr lang="de"/>
+              <a:rPr lang="de" dirty="0"/>
               <a:t>niversität </a:t>
             </a:r>
             <a:r>
-              <a:rPr lang="de" b="1"/>
+              <a:rPr lang="de" b="1" dirty="0"/>
               <a:t>S</a:t>
             </a:r>
             <a:r>
-              <a:rPr lang="de"/>
+              <a:rPr lang="de" dirty="0"/>
               <a:t>tuttgart</a:t>
             </a:r>
-            <a:endParaRPr/>
+            <a:endParaRPr dirty="0"/>
           </a:p>
           <a:p>
             <a:pPr marL="457200" lvl="0" indent="-342900" algn="l" rtl="0">
@@ -6385,10 +6649,10 @@
               <a:buChar char="-"/>
             </a:pPr>
             <a:r>
-              <a:rPr lang="de"/>
+              <a:rPr lang="de" dirty="0"/>
               <a:t>Gruppe von Studierenden</a:t>
             </a:r>
-            <a:endParaRPr/>
+            <a:endParaRPr dirty="0"/>
           </a:p>
           <a:p>
             <a:pPr marL="457200" lvl="0" indent="-342900" algn="l" rtl="0">
@@ -6402,10 +6666,10 @@
               <a:buChar char="-"/>
             </a:pPr>
             <a:r>
-              <a:rPr lang="de"/>
+              <a:rPr lang="de" dirty="0"/>
               <a:t>Was tun wir?</a:t>
             </a:r>
-            <a:endParaRPr/>
+            <a:endParaRPr dirty="0"/>
           </a:p>
           <a:p>
             <a:pPr marL="914400" lvl="1" indent="-342900" algn="l" rtl="0">
@@ -6419,10 +6683,10 @@
               <a:buChar char="-"/>
             </a:pPr>
             <a:r>
-              <a:rPr lang="de"/>
+              <a:rPr lang="de" dirty="0"/>
               <a:t>vertreten die studentische Sicht in offiziellen Gremien</a:t>
             </a:r>
-            <a:endParaRPr/>
+            <a:endParaRPr dirty="0"/>
           </a:p>
           <a:p>
             <a:pPr marL="914400" lvl="1" indent="-342900" algn="l" rtl="0">
@@ -6436,17 +6700,17 @@
               <a:buChar char="-"/>
             </a:pPr>
             <a:r>
-              <a:rPr lang="de"/>
+              <a:rPr lang="de" dirty="0"/>
               <a:t>organisieren Veranstaltungen </a:t>
             </a:r>
             <a:br>
-              <a:rPr lang="de"/>
+              <a:rPr lang="de" dirty="0"/>
             </a:br>
             <a:r>
-              <a:rPr lang="de"/>
+              <a:rPr lang="de" dirty="0"/>
               <a:t>(Weihnachtsfeiern, Spieleabende, Vorkurse,...)</a:t>
             </a:r>
-            <a:endParaRPr/>
+            <a:endParaRPr dirty="0"/>
           </a:p>
           <a:p>
             <a:pPr marL="914400" lvl="1" indent="-342900" algn="l" rtl="0">
@@ -6460,10 +6724,10 @@
               <a:buChar char="-"/>
             </a:pPr>
             <a:r>
-              <a:rPr lang="de"/>
+              <a:rPr lang="de" dirty="0"/>
               <a:t>verleihen Prüfungen aus den früheren Semestern</a:t>
             </a:r>
-            <a:endParaRPr/>
+            <a:endParaRPr dirty="0"/>
           </a:p>
           <a:p>
             <a:pPr marL="914400" lvl="1" indent="-342900" algn="l" rtl="0">
@@ -6477,10 +6741,10 @@
               <a:buChar char="-"/>
             </a:pPr>
             <a:r>
-              <a:rPr lang="de"/>
+              <a:rPr lang="de" dirty="0"/>
               <a:t>helfen Studenten in Problemen/ Fragen</a:t>
             </a:r>
-            <a:endParaRPr/>
+            <a:endParaRPr dirty="0"/>
           </a:p>
           <a:p>
             <a:pPr marL="1371600" lvl="2" indent="-342900" algn="l" rtl="0">
@@ -6494,10 +6758,10 @@
               <a:buChar char="-"/>
             </a:pPr>
             <a:r>
-              <a:rPr lang="de"/>
+              <a:rPr lang="de" dirty="0"/>
               <a:t>Fachspezifisch</a:t>
             </a:r>
-            <a:endParaRPr/>
+            <a:endParaRPr dirty="0"/>
           </a:p>
           <a:p>
             <a:pPr marL="1371600" lvl="2" indent="-342900" algn="l" rtl="0">
@@ -6511,10 +6775,10 @@
               <a:buChar char="-"/>
             </a:pPr>
             <a:r>
-              <a:rPr lang="de"/>
+              <a:rPr lang="de" dirty="0"/>
               <a:t>Studienberatung aus studentischer Sicht</a:t>
             </a:r>
-            <a:endParaRPr/>
+            <a:endParaRPr dirty="0"/>
           </a:p>
         </p:txBody>
       </p:sp>
@@ -6578,181 +6842,410 @@
               <a:buNone/>
             </a:pPr>
             <a:r>
-              <a:rPr lang="de"/>
+              <a:rPr lang="de" dirty="0"/>
               <a:t>Fachgruppe Informatik</a:t>
             </a:r>
-            <a:endParaRPr/>
+            <a:endParaRPr dirty="0"/>
           </a:p>
         </p:txBody>
       </p:sp>
       <p:sp>
         <p:nvSpPr>
-          <p:cNvPr id="67" name="Google Shape;67;p15"/>
+          <p:cNvPr id="5" name="Google Shape;61;p14">
+            <a:extLst>
+              <a:ext uri="{FF2B5EF4-FFF2-40B4-BE49-F238E27FC236}">
+                <a16:creationId xmlns:a16="http://schemas.microsoft.com/office/drawing/2014/main" id="{5C4D2241-CFAD-43C8-88A1-643C72B63843}"/>
+              </a:ext>
+            </a:extLst>
+          </p:cNvPr>
           <p:cNvSpPr txBox="1">
-            <a:spLocks noGrp="1"/>
+            <a:spLocks/>
           </p:cNvSpPr>
-          <p:nvPr>
-            <p:ph type="body" idx="1"/>
-          </p:nvPr>
+          <p:nvPr/>
         </p:nvSpPr>
         <p:spPr>
           <a:xfrm>
-            <a:off x="311700" y="1414000"/>
-            <a:ext cx="8520600" cy="2733300"/>
+            <a:off x="311700" y="1152475"/>
+            <a:ext cx="8520600" cy="3416400"/>
           </a:xfrm>
           <a:prstGeom prst="rect">
             <a:avLst/>
           </a:prstGeom>
+          <a:noFill/>
+          <a:ln>
+            <a:noFill/>
+          </a:ln>
         </p:spPr>
         <p:txBody>
           <a:bodyPr spcFirstLastPara="1" wrap="square" lIns="91425" tIns="91425" rIns="91425" bIns="91425" anchor="t" anchorCtr="0">
             <a:noAutofit/>
           </a:bodyPr>
-          <a:lstStyle/>
-          <a:p>
-            <a:pPr marL="457200" lvl="0" indent="-342900" algn="l" rtl="0">
-              <a:spcBef>
-                <a:spcPts val="0"/>
-              </a:spcBef>
-              <a:spcAft>
-                <a:spcPts val="0"/>
-              </a:spcAft>
+          <a:lstStyle>
+            <a:defPPr marR="0" lvl="0" algn="l" rtl="0">
+              <a:lnSpc>
+                <a:spcPct val="100000"/>
+              </a:lnSpc>
+              <a:spcBef>
+                <a:spcPts val="0"/>
+              </a:spcBef>
+              <a:spcAft>
+                <a:spcPts val="0"/>
+              </a:spcAft>
+            </a:defPPr>
+            <a:lvl1pPr marL="457200" marR="0" lvl="0" indent="-342900" algn="l" rtl="0">
+              <a:lnSpc>
+                <a:spcPct val="115000"/>
+              </a:lnSpc>
+              <a:spcBef>
+                <a:spcPts val="0"/>
+              </a:spcBef>
+              <a:spcAft>
+                <a:spcPts val="0"/>
+              </a:spcAft>
+              <a:buClr>
+                <a:schemeClr val="dk2"/>
+              </a:buClr>
               <a:buSzPts val="1800"/>
+              <a:buFont typeface="Arial"/>
+              <a:buChar char="●"/>
+              <a:defRPr sz="1800" b="0" i="0" u="none" strike="noStrike" cap="none">
+                <a:solidFill>
+                  <a:schemeClr val="dk2"/>
+                </a:solidFill>
+                <a:latin typeface="Arial"/>
+                <a:ea typeface="Arial"/>
+                <a:cs typeface="Arial"/>
+                <a:sym typeface="Arial"/>
+              </a:defRPr>
+            </a:lvl1pPr>
+            <a:lvl2pPr marL="914400" marR="0" lvl="1" indent="-342900" algn="l" rtl="0">
+              <a:lnSpc>
+                <a:spcPct val="115000"/>
+              </a:lnSpc>
+              <a:spcBef>
+                <a:spcPts val="1600"/>
+              </a:spcBef>
+              <a:spcAft>
+                <a:spcPts val="0"/>
+              </a:spcAft>
+              <a:buClr>
+                <a:schemeClr val="dk2"/>
+              </a:buClr>
+              <a:buSzPts val="1800"/>
+              <a:buFont typeface="Arial"/>
+              <a:buChar char="○"/>
+              <a:defRPr sz="1800" b="0" i="0" u="none" strike="noStrike" cap="none">
+                <a:solidFill>
+                  <a:schemeClr val="dk2"/>
+                </a:solidFill>
+                <a:latin typeface="Arial"/>
+                <a:ea typeface="Arial"/>
+                <a:cs typeface="Arial"/>
+                <a:sym typeface="Arial"/>
+              </a:defRPr>
+            </a:lvl2pPr>
+            <a:lvl3pPr marL="1371600" marR="0" lvl="2" indent="-342900" algn="l" rtl="0">
+              <a:lnSpc>
+                <a:spcPct val="115000"/>
+              </a:lnSpc>
+              <a:spcBef>
+                <a:spcPts val="1600"/>
+              </a:spcBef>
+              <a:spcAft>
+                <a:spcPts val="0"/>
+              </a:spcAft>
+              <a:buClr>
+                <a:schemeClr val="dk2"/>
+              </a:buClr>
+              <a:buSzPts val="1800"/>
+              <a:buFont typeface="Arial"/>
+              <a:buChar char="■"/>
+              <a:defRPr sz="1800" b="0" i="0" u="none" strike="noStrike" cap="none">
+                <a:solidFill>
+                  <a:schemeClr val="dk2"/>
+                </a:solidFill>
+                <a:latin typeface="Arial"/>
+                <a:ea typeface="Arial"/>
+                <a:cs typeface="Arial"/>
+                <a:sym typeface="Arial"/>
+              </a:defRPr>
+            </a:lvl3pPr>
+            <a:lvl4pPr marL="1828800" marR="0" lvl="3" indent="-317500" algn="l" rtl="0">
+              <a:lnSpc>
+                <a:spcPct val="115000"/>
+              </a:lnSpc>
+              <a:spcBef>
+                <a:spcPts val="1600"/>
+              </a:spcBef>
+              <a:spcAft>
+                <a:spcPts val="0"/>
+              </a:spcAft>
+              <a:buClr>
+                <a:schemeClr val="dk2"/>
+              </a:buClr>
+              <a:buSzPts val="1400"/>
+              <a:buFont typeface="Arial"/>
+              <a:buChar char="●"/>
+              <a:defRPr sz="1400" b="0" i="0" u="none" strike="noStrike" cap="none">
+                <a:solidFill>
+                  <a:schemeClr val="dk2"/>
+                </a:solidFill>
+                <a:latin typeface="Arial"/>
+                <a:ea typeface="Arial"/>
+                <a:cs typeface="Arial"/>
+                <a:sym typeface="Arial"/>
+              </a:defRPr>
+            </a:lvl4pPr>
+            <a:lvl5pPr marL="2286000" marR="0" lvl="4" indent="-317500" algn="l" rtl="0">
+              <a:lnSpc>
+                <a:spcPct val="115000"/>
+              </a:lnSpc>
+              <a:spcBef>
+                <a:spcPts val="1600"/>
+              </a:spcBef>
+              <a:spcAft>
+                <a:spcPts val="0"/>
+              </a:spcAft>
+              <a:buClr>
+                <a:schemeClr val="dk2"/>
+              </a:buClr>
+              <a:buSzPts val="1400"/>
+              <a:buFont typeface="Arial"/>
+              <a:buChar char="○"/>
+              <a:defRPr sz="1400" b="0" i="0" u="none" strike="noStrike" cap="none">
+                <a:solidFill>
+                  <a:schemeClr val="dk2"/>
+                </a:solidFill>
+                <a:latin typeface="Arial"/>
+                <a:ea typeface="Arial"/>
+                <a:cs typeface="Arial"/>
+                <a:sym typeface="Arial"/>
+              </a:defRPr>
+            </a:lvl5pPr>
+            <a:lvl6pPr marL="2743200" marR="0" lvl="5" indent="-317500" algn="l" rtl="0">
+              <a:lnSpc>
+                <a:spcPct val="115000"/>
+              </a:lnSpc>
+              <a:spcBef>
+                <a:spcPts val="1600"/>
+              </a:spcBef>
+              <a:spcAft>
+                <a:spcPts val="0"/>
+              </a:spcAft>
+              <a:buClr>
+                <a:schemeClr val="dk2"/>
+              </a:buClr>
+              <a:buSzPts val="1400"/>
+              <a:buFont typeface="Arial"/>
+              <a:buChar char="■"/>
+              <a:defRPr sz="1400" b="0" i="0" u="none" strike="noStrike" cap="none">
+                <a:solidFill>
+                  <a:schemeClr val="dk2"/>
+                </a:solidFill>
+                <a:latin typeface="Arial"/>
+                <a:ea typeface="Arial"/>
+                <a:cs typeface="Arial"/>
+                <a:sym typeface="Arial"/>
+              </a:defRPr>
+            </a:lvl6pPr>
+            <a:lvl7pPr marL="3200400" marR="0" lvl="6" indent="-317500" algn="l" rtl="0">
+              <a:lnSpc>
+                <a:spcPct val="115000"/>
+              </a:lnSpc>
+              <a:spcBef>
+                <a:spcPts val="1600"/>
+              </a:spcBef>
+              <a:spcAft>
+                <a:spcPts val="0"/>
+              </a:spcAft>
+              <a:buClr>
+                <a:schemeClr val="dk2"/>
+              </a:buClr>
+              <a:buSzPts val="1400"/>
+              <a:buFont typeface="Arial"/>
+              <a:buChar char="●"/>
+              <a:defRPr sz="1400" b="0" i="0" u="none" strike="noStrike" cap="none">
+                <a:solidFill>
+                  <a:schemeClr val="dk2"/>
+                </a:solidFill>
+                <a:latin typeface="Arial"/>
+                <a:ea typeface="Arial"/>
+                <a:cs typeface="Arial"/>
+                <a:sym typeface="Arial"/>
+              </a:defRPr>
+            </a:lvl7pPr>
+            <a:lvl8pPr marL="3657600" marR="0" lvl="7" indent="-317500" algn="l" rtl="0">
+              <a:lnSpc>
+                <a:spcPct val="115000"/>
+              </a:lnSpc>
+              <a:spcBef>
+                <a:spcPts val="1600"/>
+              </a:spcBef>
+              <a:spcAft>
+                <a:spcPts val="0"/>
+              </a:spcAft>
+              <a:buClr>
+                <a:schemeClr val="dk2"/>
+              </a:buClr>
+              <a:buSzPts val="1400"/>
+              <a:buFont typeface="Arial"/>
+              <a:buChar char="○"/>
+              <a:defRPr sz="1400" b="0" i="0" u="none" strike="noStrike" cap="none">
+                <a:solidFill>
+                  <a:schemeClr val="dk2"/>
+                </a:solidFill>
+                <a:latin typeface="Arial"/>
+                <a:ea typeface="Arial"/>
+                <a:cs typeface="Arial"/>
+                <a:sym typeface="Arial"/>
+              </a:defRPr>
+            </a:lvl8pPr>
+            <a:lvl9pPr marL="4114800" marR="0" lvl="8" indent="-317500" algn="l" rtl="0">
+              <a:lnSpc>
+                <a:spcPct val="115000"/>
+              </a:lnSpc>
+              <a:spcBef>
+                <a:spcPts val="1600"/>
+              </a:spcBef>
+              <a:spcAft>
+                <a:spcPts val="1600"/>
+              </a:spcAft>
+              <a:buClr>
+                <a:schemeClr val="dk2"/>
+              </a:buClr>
+              <a:buSzPts val="1400"/>
+              <a:buFont typeface="Arial"/>
+              <a:buChar char="■"/>
+              <a:defRPr sz="1400" b="0" i="0" u="none" strike="noStrike" cap="none">
+                <a:solidFill>
+                  <a:schemeClr val="dk2"/>
+                </a:solidFill>
+                <a:latin typeface="Arial"/>
+                <a:ea typeface="Arial"/>
+                <a:cs typeface="Arial"/>
+                <a:sym typeface="Arial"/>
+              </a:defRPr>
+            </a:lvl9pPr>
+          </a:lstStyle>
+          <a:p>
+            <a:pPr lvl="0">
               <a:buChar char="-"/>
             </a:pPr>
             <a:r>
-              <a:rPr lang="de"/>
+              <a:rPr lang="de-DE" dirty="0"/>
               <a:t>Für welche Studiengänge?</a:t>
             </a:r>
-            <a:endParaRPr/>
-          </a:p>
-          <a:p>
-            <a:pPr marL="914400" lvl="1" indent="-342900" algn="l" rtl="0">
-              <a:spcBef>
-                <a:spcPts val="0"/>
-              </a:spcBef>
-              <a:spcAft>
-                <a:spcPts val="0"/>
-              </a:spcAft>
-              <a:buSzPts val="1800"/>
+          </a:p>
+          <a:p>
+            <a:pPr lvl="1">
+              <a:spcBef>
+                <a:spcPts val="0"/>
+              </a:spcBef>
               <a:buChar char="-"/>
             </a:pPr>
             <a:r>
-              <a:rPr lang="de"/>
+              <a:rPr lang="de-DE" dirty="0"/>
               <a:t>Informatik</a:t>
             </a:r>
-            <a:endParaRPr/>
-          </a:p>
-          <a:p>
-            <a:pPr marL="914400" lvl="1" indent="-342900" algn="l" rtl="0">
-              <a:spcBef>
-                <a:spcPts val="0"/>
-              </a:spcBef>
-              <a:spcAft>
-                <a:spcPts val="0"/>
-              </a:spcAft>
-              <a:buSzPts val="1800"/>
+          </a:p>
+          <a:p>
+            <a:pPr lvl="1">
+              <a:spcBef>
+                <a:spcPts val="0"/>
+              </a:spcBef>
               <a:buChar char="-"/>
             </a:pPr>
             <a:r>
-              <a:rPr lang="de"/>
+              <a:rPr lang="de-DE" dirty="0"/>
               <a:t>Softwaretechnik</a:t>
             </a:r>
-            <a:endParaRPr/>
-          </a:p>
-          <a:p>
-            <a:pPr marL="914400" lvl="1" indent="-342900" algn="l" rtl="0">
-              <a:spcBef>
-                <a:spcPts val="0"/>
-              </a:spcBef>
-              <a:spcAft>
-                <a:spcPts val="0"/>
-              </a:spcAft>
-              <a:buSzPts val="1800"/>
+          </a:p>
+          <a:p>
+            <a:pPr lvl="1">
+              <a:spcBef>
+                <a:spcPts val="0"/>
+              </a:spcBef>
               <a:buChar char="-"/>
             </a:pPr>
             <a:r>
-              <a:rPr lang="de"/>
+              <a:rPr lang="de-DE" dirty="0"/>
               <a:t>Medieninformatik</a:t>
             </a:r>
-            <a:endParaRPr/>
-          </a:p>
-          <a:p>
-            <a:pPr marL="914400" lvl="1" indent="-342900" algn="l" rtl="0">
-              <a:spcBef>
-                <a:spcPts val="0"/>
-              </a:spcBef>
-              <a:spcAft>
-                <a:spcPts val="0"/>
-              </a:spcAft>
-              <a:buSzPts val="1800"/>
+          </a:p>
+          <a:p>
+            <a:pPr lvl="1">
+              <a:spcBef>
+                <a:spcPts val="0"/>
+              </a:spcBef>
               <a:buChar char="-"/>
             </a:pPr>
             <a:r>
-              <a:rPr lang="de"/>
+              <a:rPr lang="de-DE" dirty="0"/>
               <a:t>Data Science</a:t>
             </a:r>
-            <a:endParaRPr/>
-          </a:p>
-          <a:p>
-            <a:pPr marL="914400" lvl="1" indent="-342900" algn="l" rtl="0">
-              <a:spcBef>
-                <a:spcPts val="0"/>
-              </a:spcBef>
-              <a:spcAft>
-                <a:spcPts val="0"/>
-              </a:spcAft>
-              <a:buSzPts val="1800"/>
+          </a:p>
+          <a:p>
+            <a:pPr lvl="1">
+              <a:spcBef>
+                <a:spcPts val="0"/>
+              </a:spcBef>
               <a:buChar char="-"/>
             </a:pPr>
             <a:r>
-              <a:rPr lang="de"/>
+              <a:rPr lang="de-DE" dirty="0"/>
               <a:t>Lehramt Informatik</a:t>
             </a:r>
-            <a:endParaRPr/>
-          </a:p>
-          <a:p>
-            <a:pPr marL="457200" lvl="0" indent="-342900" algn="l" rtl="0">
-              <a:spcBef>
-                <a:spcPts val="0"/>
-              </a:spcBef>
-              <a:spcAft>
-                <a:spcPts val="0"/>
-              </a:spcAft>
-              <a:buSzPts val="1800"/>
+          </a:p>
+          <a:p>
+            <a:pPr lvl="0">
+              <a:buChar char="-"/>
+            </a:pPr>
+            <a:endParaRPr lang="de-DE" dirty="0"/>
+          </a:p>
+          <a:p>
+            <a:pPr lvl="0">
               <a:buChar char="-"/>
             </a:pPr>
             <a:r>
-              <a:rPr lang="de"/>
+              <a:rPr lang="de-DE" dirty="0"/>
               <a:t>Webseite: </a:t>
             </a:r>
             <a:r>
-              <a:rPr lang="de" u="sng">
+              <a:rPr lang="de-DE" u="sng" dirty="0">
                 <a:solidFill>
-                  <a:schemeClr val="accent5"/>
+                  <a:srgbClr val="00BEFA"/>
                 </a:solidFill>
-                <a:hlinkClick r:id="rId3"/>
+                <a:hlinkClick r:id="rId3">
+                  <a:extLst>
+                    <a:ext uri="{A12FA001-AC4F-418D-AE19-62706E023703}">
+                      <ahyp:hlinkClr xmlns:ahyp="http://schemas.microsoft.com/office/drawing/2018/hyperlinkcolor" val="tx"/>
+                    </a:ext>
+                  </a:extLst>
+                </a:hlinkClick>
               </a:rPr>
               <a:t>https://fius.informatik.uni-stuttgart.de/</a:t>
             </a:r>
-            <a:endParaRPr/>
-          </a:p>
-          <a:p>
-            <a:pPr marL="457200" lvl="0" indent="-342900" algn="l" rtl="0">
-              <a:spcBef>
-                <a:spcPts val="0"/>
-              </a:spcBef>
-              <a:spcAft>
-                <a:spcPts val="0"/>
-              </a:spcAft>
-              <a:buSzPts val="1800"/>
+            <a:endParaRPr lang="de-DE" dirty="0">
+              <a:solidFill>
+                <a:srgbClr val="00BEFA"/>
+              </a:solidFill>
+            </a:endParaRPr>
+          </a:p>
+          <a:p>
+            <a:pPr lvl="0">
               <a:buChar char="-"/>
             </a:pPr>
             <a:r>
-              <a:rPr lang="de"/>
+              <a:rPr lang="de-DE" dirty="0"/>
               <a:t>E-Mail: fius@informatik.uni-stuttgart.de</a:t>
             </a:r>
-            <a:endParaRPr/>
+          </a:p>
+          <a:p>
+            <a:pPr>
+              <a:buFont typeface="Arial"/>
+              <a:buChar char="-"/>
+            </a:pPr>
+            <a:endParaRPr lang="de-DE" dirty="0"/>
           </a:p>
         </p:txBody>
       </p:sp>
@@ -6859,10 +7352,10 @@
               <a:buChar char="-"/>
             </a:pPr>
             <a:r>
-              <a:rPr lang="de"/>
+              <a:rPr lang="de" dirty="0"/>
               <a:t>Telegram-Gruppe:</a:t>
             </a:r>
-            <a:endParaRPr/>
+            <a:endParaRPr dirty="0"/>
           </a:p>
           <a:p>
             <a:pPr marL="914400" lvl="1" indent="-342900" algn="l" rtl="0">
@@ -6876,10 +7369,10 @@
               <a:buChar char="-"/>
             </a:pPr>
             <a:r>
-              <a:rPr lang="de"/>
+              <a:rPr lang="de" dirty="0"/>
               <a:t>Wenn noch nicht getan: Telegram in beliebigen App-Store herunterladen</a:t>
             </a:r>
-            <a:endParaRPr/>
+            <a:endParaRPr dirty="0"/>
           </a:p>
           <a:p>
             <a:pPr marL="914400" lvl="1" indent="-342900" algn="l" rtl="0">
@@ -6893,18 +7386,18 @@
               <a:buChar char="-"/>
             </a:pPr>
             <a:r>
-              <a:rPr lang="de"/>
+              <a:rPr lang="de" dirty="0"/>
               <a:t>“</a:t>
             </a:r>
             <a:r>
-              <a:rPr lang="de" b="1"/>
+              <a:rPr lang="de" b="1" dirty="0"/>
               <a:t>Informatik 2018</a:t>
             </a:r>
             <a:r>
-              <a:rPr lang="de"/>
+              <a:rPr lang="de" dirty="0"/>
               <a:t>” in Suchleiste eingeben</a:t>
             </a:r>
-            <a:endParaRPr/>
+            <a:endParaRPr dirty="0"/>
           </a:p>
           <a:p>
             <a:pPr marL="914400" lvl="1" indent="-342900" algn="l" rtl="0">
@@ -6918,10 +7411,10 @@
               <a:buChar char="-"/>
             </a:pPr>
             <a:r>
-              <a:rPr lang="de"/>
+              <a:rPr lang="de" dirty="0"/>
               <a:t>Gruppe beitreten</a:t>
             </a:r>
-            <a:endParaRPr/>
+            <a:endParaRPr dirty="0"/>
           </a:p>
         </p:txBody>
       </p:sp>
@@ -7471,6 +7964,162 @@
 
 <file path=ppt/slides/slide7.xml><?xml version="1.0" encoding="utf-8"?>
 <p:sld xmlns:a="http://schemas.openxmlformats.org/drawingml/2006/main" xmlns:r="http://schemas.openxmlformats.org/officeDocument/2006/relationships" xmlns:p="http://schemas.openxmlformats.org/presentationml/2006/main">
+  <p:cSld>
+    <p:spTree>
+      <p:nvGrpSpPr>
+        <p:cNvPr id="1" name=""/>
+        <p:cNvGrpSpPr/>
+        <p:nvPr/>
+      </p:nvGrpSpPr>
+      <p:grpSpPr>
+        <a:xfrm>
+          <a:off x="0" y="0"/>
+          <a:ext cx="0" cy="0"/>
+          <a:chOff x="0" y="0"/>
+          <a:chExt cx="0" cy="0"/>
+        </a:xfrm>
+      </p:grpSpPr>
+      <p:pic>
+        <p:nvPicPr>
+          <p:cNvPr id="10" name="Bildplatzhalter 9">
+            <a:extLst>
+              <a:ext uri="{FF2B5EF4-FFF2-40B4-BE49-F238E27FC236}">
+                <a16:creationId xmlns:a16="http://schemas.microsoft.com/office/drawing/2014/main" id="{DEA8C149-0CA4-4148-B7BD-B099ED36D649}"/>
+              </a:ext>
+            </a:extLst>
+          </p:cNvPr>
+          <p:cNvPicPr>
+            <a:picLocks noGrp="1" noChangeAspect="1"/>
+          </p:cNvPicPr>
+          <p:nvPr>
+            <p:ph type="pic" sz="quarter" idx="10"/>
+          </p:nvPr>
+        </p:nvPicPr>
+        <p:blipFill>
+          <a:blip r:embed="rId2"/>
+          <a:srcRect l="37" r="37"/>
+          <a:stretch>
+            <a:fillRect/>
+          </a:stretch>
+        </p:blipFill>
+        <p:spPr/>
+      </p:pic>
+      <p:sp>
+        <p:nvSpPr>
+          <p:cNvPr id="3" name="Titel 2"/>
+          <p:cNvSpPr>
+            <a:spLocks noGrp="1"/>
+          </p:cNvSpPr>
+          <p:nvPr>
+            <p:ph type="ctrTitle"/>
+          </p:nvPr>
+        </p:nvSpPr>
+        <p:spPr>
+          <a:xfrm>
+            <a:off x="4877139" y="903960"/>
+            <a:ext cx="3960000" cy="3960000"/>
+          </a:xfrm>
+          <a:solidFill>
+            <a:srgbClr val="00BEFA"/>
+          </a:solidFill>
+          <a:ln>
+            <a:noFill/>
+          </a:ln>
+        </p:spPr>
+        <p:txBody>
+          <a:bodyPr/>
+          <a:lstStyle/>
+          <a:p>
+            <a:r>
+              <a:rPr lang="de-DE" dirty="0"/>
+              <a:t>Fachgruppe Informatik</a:t>
+            </a:r>
+          </a:p>
+        </p:txBody>
+      </p:sp>
+      <p:pic>
+        <p:nvPicPr>
+          <p:cNvPr id="12" name="Bildplatzhalter 11">
+            <a:extLst>
+              <a:ext uri="{FF2B5EF4-FFF2-40B4-BE49-F238E27FC236}">
+                <a16:creationId xmlns:a16="http://schemas.microsoft.com/office/drawing/2014/main" id="{10512E2F-B76B-4FC2-A0EC-BCE6BF15C23E}"/>
+              </a:ext>
+            </a:extLst>
+          </p:cNvPr>
+          <p:cNvPicPr>
+            <a:picLocks noGrp="1" noChangeAspect="1"/>
+          </p:cNvPicPr>
+          <p:nvPr>
+            <p:ph type="pic" sz="quarter" idx="14"/>
+          </p:nvPr>
+        </p:nvPicPr>
+        <p:blipFill>
+          <a:blip r:embed="rId3"/>
+          <a:srcRect/>
+          <a:stretch>
+            <a:fillRect/>
+          </a:stretch>
+        </p:blipFill>
+        <p:spPr>
+          <a:xfrm>
+            <a:off x="7376610" y="3667680"/>
+            <a:ext cx="1188000" cy="1188000"/>
+          </a:xfrm>
+        </p:spPr>
+      </p:pic>
+      <p:sp>
+        <p:nvSpPr>
+          <p:cNvPr id="5" name="Textplatzhalter 4"/>
+          <p:cNvSpPr>
+            <a:spLocks noGrp="1"/>
+          </p:cNvSpPr>
+          <p:nvPr>
+            <p:ph type="body" sz="quarter" idx="13"/>
+          </p:nvPr>
+        </p:nvSpPr>
+        <p:spPr/>
+        <p:txBody>
+          <a:bodyPr/>
+          <a:lstStyle/>
+          <a:p>
+            <a:endParaRPr lang="de-DE" dirty="0"/>
+          </a:p>
+        </p:txBody>
+      </p:sp>
+      <p:sp>
+        <p:nvSpPr>
+          <p:cNvPr id="6" name="Untertitel 5"/>
+          <p:cNvSpPr>
+            <a:spLocks noGrp="1"/>
+          </p:cNvSpPr>
+          <p:nvPr>
+            <p:ph type="subTitle" idx="1"/>
+          </p:nvPr>
+        </p:nvSpPr>
+        <p:spPr/>
+        <p:txBody>
+          <a:bodyPr/>
+          <a:lstStyle/>
+          <a:p>
+            <a:endParaRPr lang="de-DE"/>
+          </a:p>
+        </p:txBody>
+      </p:sp>
+    </p:spTree>
+    <p:extLst>
+      <p:ext uri="{BB962C8B-B14F-4D97-AF65-F5344CB8AC3E}">
+        <p14:creationId xmlns:p14="http://schemas.microsoft.com/office/powerpoint/2010/main" val="2776436704"/>
+      </p:ext>
+    </p:extLst>
+  </p:cSld>
+  <p:clrMapOvr>
+    <a:masterClrMapping/>
+  </p:clrMapOvr>
+</p:sld>
+</file>
+
+<file path=ppt/slides/slide8.xml><?xml version="1.0" encoding="utf-8"?>
+<p:sld xmlns:a="http://schemas.openxmlformats.org/drawingml/2006/main" xmlns:r="http://schemas.openxmlformats.org/officeDocument/2006/relationships" xmlns:p="http://schemas.openxmlformats.org/presentationml/2006/main" show="0">
   <p:cSld>
     <p:spTree>
       <p:nvGrpSpPr>
